--- a/Courses/Applied-Programmer/Programming-Fundamentals/05-Символни-низове/22.Символни-низове-вход-изход.pptx
+++ b/Courses/Applied-Programmer/Programming-Fundamentals/05-Символни-низове/22.Символни-низове-вход-изход.pptx
@@ -338,7 +338,7 @@
             <a:fld id="{FE5B4EDC-59C0-49C7-8ADA-5A781B329E02}" type="datetimeFigureOut">
               <a:rPr lang="en-US"/>
               <a:pPr/>
-              <a:t>16-Dec-19</a:t>
+              <a:t>19-Nov-20</a:t>
             </a:fld>
             <a:endParaRPr dirty="0"/>
           </a:p>
@@ -636,7 +636,7 @@
             <a:fld id="{F2D8D46A-B586-417D-BFBD-8C8FE0AAF762}" type="datetimeFigureOut">
               <a:rPr lang="en-US" smtClean="0"/>
               <a:pPr/>
-              <a:t>16-Dec-19</a:t>
+              <a:t>19-Nov-20</a:t>
             </a:fld>
             <a:endParaRPr lang="en-US" dirty="0"/>
           </a:p>
@@ -3775,10 +3775,10 @@
         </p:nvGrpSpPr>
         <p:grpSpPr>
           <a:xfrm>
-            <a:off x="760412" y="3583505"/>
-            <a:ext cx="5043827" cy="2524722"/>
-            <a:chOff x="745783" y="3624633"/>
-            <a:chExt cx="5043827" cy="2524722"/>
+            <a:off x="254366" y="3583505"/>
+            <a:ext cx="5549873" cy="2641346"/>
+            <a:chOff x="239737" y="3624633"/>
+            <a:chExt cx="5549873" cy="2641346"/>
           </a:xfrm>
         </p:grpSpPr>
         <p:pic>
@@ -3835,7 +3835,7 @@
           </p:blipFill>
           <p:spPr bwMode="auto">
             <a:xfrm>
-              <a:off x="745783" y="4076772"/>
+              <a:off x="261856" y="4331171"/>
               <a:ext cx="2175525" cy="761165"/>
             </a:xfrm>
             <a:prstGeom prst="roundRect">
@@ -3874,7 +3874,7 @@
           </p:nvSpPr>
           <p:spPr bwMode="auto">
             <a:xfrm>
-              <a:off x="760413" y="4998598"/>
+              <a:off x="239737" y="5103459"/>
               <a:ext cx="3187614" cy="444343"/>
             </a:xfrm>
             <a:prstGeom prst="rect">
@@ -4131,7 +4131,7 @@
           </p:nvSpPr>
           <p:spPr bwMode="auto">
             <a:xfrm>
-              <a:off x="760412" y="5403725"/>
+              <a:off x="239738" y="5491486"/>
               <a:ext cx="3187613" cy="382788"/>
             </a:xfrm>
             <a:prstGeom prst="rect">
@@ -4387,7 +4387,7 @@
           </p:nvSpPr>
           <p:spPr bwMode="auto">
             <a:xfrm>
-              <a:off x="760412" y="5690893"/>
+              <a:off x="244025" y="5807517"/>
               <a:ext cx="3810000" cy="458462"/>
             </a:xfrm>
             <a:prstGeom prst="rect">
@@ -4658,6 +4658,141 @@
           </a:prstGeom>
         </p:spPr>
       </p:pic>
+      <p:sp>
+        <p:nvSpPr>
+          <p:cNvPr id="13" name="Text Placeholder 11">
+            <a:extLst>
+              <a:ext uri="{FF2B5EF4-FFF2-40B4-BE49-F238E27FC236}">
+                <a16:creationId xmlns:a16="http://schemas.microsoft.com/office/drawing/2014/main" id="{7EF5A783-3D23-409B-B588-387DD65F1E6C}"/>
+              </a:ext>
+            </a:extLst>
+          </p:cNvPr>
+          <p:cNvSpPr txBox="1">
+            <a:spLocks/>
+          </p:cNvSpPr>
+          <p:nvPr/>
+        </p:nvSpPr>
+        <p:spPr bwMode="auto">
+          <a:xfrm>
+            <a:off x="258654" y="6220544"/>
+            <a:ext cx="11885613" cy="349702"/>
+          </a:xfrm>
+          <a:prstGeom prst="rect">
+            <a:avLst/>
+          </a:prstGeom>
+          <a:noFill/>
+          <a:effectLst/>
+        </p:spPr>
+        <p:txBody>
+          <a:bodyPr vert="horz" wrap="square" lIns="36000" tIns="36000" rIns="36000" bIns="36000" rtlCol="0" anchor="ctr" anchorCtr="0">
+            <a:spAutoFit/>
+          </a:bodyPr>
+          <a:lstStyle>
+            <a:defPPr>
+              <a:defRPr lang="en-US"/>
+            </a:defPPr>
+            <a:lvl1pPr marL="0" algn="l" defTabSz="1218987" rtl="0" eaLnBrk="1" latinLnBrk="0" hangingPunct="1">
+              <a:defRPr sz="2400" kern="1200">
+                <a:solidFill>
+                  <a:schemeClr val="tx1"/>
+                </a:solidFill>
+                <a:latin typeface="+mn-lt"/>
+                <a:ea typeface="+mn-ea"/>
+                <a:cs typeface="+mn-cs"/>
+              </a:defRPr>
+            </a:lvl1pPr>
+            <a:lvl2pPr marL="609493" algn="l" defTabSz="1218987" rtl="0" eaLnBrk="1" latinLnBrk="0" hangingPunct="1">
+              <a:defRPr sz="2400" kern="1200">
+                <a:solidFill>
+                  <a:schemeClr val="tx1"/>
+                </a:solidFill>
+                <a:latin typeface="+mn-lt"/>
+                <a:ea typeface="+mn-ea"/>
+                <a:cs typeface="+mn-cs"/>
+              </a:defRPr>
+            </a:lvl2pPr>
+            <a:lvl3pPr marL="1218987" algn="l" defTabSz="1218987" rtl="0" eaLnBrk="1" latinLnBrk="0" hangingPunct="1">
+              <a:defRPr sz="2400" kern="1200">
+                <a:solidFill>
+                  <a:schemeClr val="tx1"/>
+                </a:solidFill>
+                <a:latin typeface="+mn-lt"/>
+                <a:ea typeface="+mn-ea"/>
+                <a:cs typeface="+mn-cs"/>
+              </a:defRPr>
+            </a:lvl3pPr>
+            <a:lvl4pPr marL="1828480" algn="l" defTabSz="1218987" rtl="0" eaLnBrk="1" latinLnBrk="0" hangingPunct="1">
+              <a:defRPr sz="2400" kern="1200">
+                <a:solidFill>
+                  <a:schemeClr val="tx1"/>
+                </a:solidFill>
+                <a:latin typeface="+mn-lt"/>
+                <a:ea typeface="+mn-ea"/>
+                <a:cs typeface="+mn-cs"/>
+              </a:defRPr>
+            </a:lvl4pPr>
+            <a:lvl5pPr marL="2437973" algn="l" defTabSz="1218987" rtl="0" eaLnBrk="1" latinLnBrk="0" hangingPunct="1">
+              <a:defRPr sz="2400" kern="1200">
+                <a:solidFill>
+                  <a:schemeClr val="tx1"/>
+                </a:solidFill>
+                <a:latin typeface="+mn-lt"/>
+                <a:ea typeface="+mn-ea"/>
+                <a:cs typeface="+mn-cs"/>
+              </a:defRPr>
+            </a:lvl5pPr>
+            <a:lvl6pPr marL="3047467" algn="l" defTabSz="1218987" rtl="0" eaLnBrk="1" latinLnBrk="0" hangingPunct="1">
+              <a:defRPr sz="2400" kern="1200">
+                <a:solidFill>
+                  <a:schemeClr val="tx1"/>
+                </a:solidFill>
+                <a:latin typeface="+mn-lt"/>
+                <a:ea typeface="+mn-ea"/>
+                <a:cs typeface="+mn-cs"/>
+              </a:defRPr>
+            </a:lvl6pPr>
+            <a:lvl7pPr marL="3656960" algn="l" defTabSz="1218987" rtl="0" eaLnBrk="1" latinLnBrk="0" hangingPunct="1">
+              <a:defRPr sz="2400" kern="1200">
+                <a:solidFill>
+                  <a:schemeClr val="tx1"/>
+                </a:solidFill>
+                <a:latin typeface="+mn-lt"/>
+                <a:ea typeface="+mn-ea"/>
+                <a:cs typeface="+mn-cs"/>
+              </a:defRPr>
+            </a:lvl7pPr>
+            <a:lvl8pPr marL="4266453" algn="l" defTabSz="1218987" rtl="0" eaLnBrk="1" latinLnBrk="0" hangingPunct="1">
+              <a:defRPr sz="2400" kern="1200">
+                <a:solidFill>
+                  <a:schemeClr val="tx1"/>
+                </a:solidFill>
+                <a:latin typeface="+mn-lt"/>
+                <a:ea typeface="+mn-ea"/>
+                <a:cs typeface="+mn-cs"/>
+              </a:defRPr>
+            </a:lvl8pPr>
+            <a:lvl9pPr marL="4875947" algn="l" defTabSz="1218987" rtl="0" eaLnBrk="1" latinLnBrk="0" hangingPunct="1">
+              <a:defRPr sz="2400" kern="1200">
+                <a:solidFill>
+                  <a:schemeClr val="tx1"/>
+                </a:solidFill>
+                <a:latin typeface="+mn-lt"/>
+                <a:ea typeface="+mn-ea"/>
+                <a:cs typeface="+mn-cs"/>
+              </a:defRPr>
+            </a:lvl9pPr>
+          </a:lstStyle>
+          <a:p>
+            <a:r>
+              <a:rPr lang="en-US" sz="1800" b="1" dirty="0">
+                <a:hlinkClick r:id="rId8"/>
+              </a:rPr>
+              <a:t>https://github.com/BG-IT-Edu/School-Programming/tree/main/Courses/Applied-Programmer/Programming-Fundamentals</a:t>
+            </a:r>
+            <a:endParaRPr lang="en-GB" sz="1800" b="1" dirty="0"/>
+          </a:p>
+        </p:txBody>
+      </p:sp>
     </p:spTree>
     <p:extLst>
       <p:ext uri="{BB962C8B-B14F-4D97-AF65-F5344CB8AC3E}">
@@ -16130,7 +16265,7 @@
               <a:rPr lang="bg-BG" dirty="0">
                 <a:latin typeface="+mn-ea"/>
               </a:rPr>
-              <a:t>Работа със символни низове</a:t>
+              <a:t>Символни низове</a:t>
             </a:r>
             <a:endParaRPr lang="en-US" dirty="0"/>
           </a:p>
@@ -16138,37 +16273,136 @@
       </p:sp>
       <p:sp>
         <p:nvSpPr>
-          <p:cNvPr id="3" name="Text Placeholder 2"/>
-          <p:cNvSpPr>
-            <a:spLocks noGrp="1"/>
+          <p:cNvPr id="6" name="Text Placeholder 11">
+            <a:extLst>
+              <a:ext uri="{FF2B5EF4-FFF2-40B4-BE49-F238E27FC236}">
+                <a16:creationId xmlns:a16="http://schemas.microsoft.com/office/drawing/2014/main" id="{DF2DCFB4-09B1-4BF0-A778-56C45BD358FB}"/>
+              </a:ext>
+            </a:extLst>
+          </p:cNvPr>
+          <p:cNvSpPr txBox="1">
+            <a:spLocks/>
           </p:cNvSpPr>
-          <p:nvPr>
-            <p:ph type="body" sz="quarter" idx="10"/>
-          </p:nvPr>
+          <p:nvPr/>
         </p:nvSpPr>
-        <p:spPr>
+        <p:spPr bwMode="auto">
           <a:xfrm>
-            <a:off x="1529384" y="6400802"/>
-            <a:ext cx="10482604" cy="351754"/>
+            <a:off x="303212" y="6400800"/>
+            <a:ext cx="11885613" cy="349702"/>
           </a:xfrm>
+          <a:prstGeom prst="rect">
+            <a:avLst/>
+          </a:prstGeom>
+          <a:noFill/>
+          <a:effectLst/>
         </p:spPr>
         <p:txBody>
-          <a:bodyPr/>
-          <a:lstStyle/>
+          <a:bodyPr vert="horz" wrap="square" lIns="36000" tIns="36000" rIns="36000" bIns="36000" rtlCol="0" anchor="ctr" anchorCtr="0">
+            <a:spAutoFit/>
+          </a:bodyPr>
+          <a:lstStyle>
+            <a:defPPr>
+              <a:defRPr lang="en-US"/>
+            </a:defPPr>
+            <a:lvl1pPr marL="0" algn="l" defTabSz="1218987" rtl="0" eaLnBrk="1" latinLnBrk="0" hangingPunct="1">
+              <a:defRPr sz="2400" kern="1200">
+                <a:solidFill>
+                  <a:schemeClr val="tx1"/>
+                </a:solidFill>
+                <a:latin typeface="+mn-lt"/>
+                <a:ea typeface="+mn-ea"/>
+                <a:cs typeface="+mn-cs"/>
+              </a:defRPr>
+            </a:lvl1pPr>
+            <a:lvl2pPr marL="609493" algn="l" defTabSz="1218987" rtl="0" eaLnBrk="1" latinLnBrk="0" hangingPunct="1">
+              <a:defRPr sz="2400" kern="1200">
+                <a:solidFill>
+                  <a:schemeClr val="tx1"/>
+                </a:solidFill>
+                <a:latin typeface="+mn-lt"/>
+                <a:ea typeface="+mn-ea"/>
+                <a:cs typeface="+mn-cs"/>
+              </a:defRPr>
+            </a:lvl2pPr>
+            <a:lvl3pPr marL="1218987" algn="l" defTabSz="1218987" rtl="0" eaLnBrk="1" latinLnBrk="0" hangingPunct="1">
+              <a:defRPr sz="2400" kern="1200">
+                <a:solidFill>
+                  <a:schemeClr val="tx1"/>
+                </a:solidFill>
+                <a:latin typeface="+mn-lt"/>
+                <a:ea typeface="+mn-ea"/>
+                <a:cs typeface="+mn-cs"/>
+              </a:defRPr>
+            </a:lvl3pPr>
+            <a:lvl4pPr marL="1828480" algn="l" defTabSz="1218987" rtl="0" eaLnBrk="1" latinLnBrk="0" hangingPunct="1">
+              <a:defRPr sz="2400" kern="1200">
+                <a:solidFill>
+                  <a:schemeClr val="tx1"/>
+                </a:solidFill>
+                <a:latin typeface="+mn-lt"/>
+                <a:ea typeface="+mn-ea"/>
+                <a:cs typeface="+mn-cs"/>
+              </a:defRPr>
+            </a:lvl4pPr>
+            <a:lvl5pPr marL="2437973" algn="l" defTabSz="1218987" rtl="0" eaLnBrk="1" latinLnBrk="0" hangingPunct="1">
+              <a:defRPr sz="2400" kern="1200">
+                <a:solidFill>
+                  <a:schemeClr val="tx1"/>
+                </a:solidFill>
+                <a:latin typeface="+mn-lt"/>
+                <a:ea typeface="+mn-ea"/>
+                <a:cs typeface="+mn-cs"/>
+              </a:defRPr>
+            </a:lvl5pPr>
+            <a:lvl6pPr marL="3047467" algn="l" defTabSz="1218987" rtl="0" eaLnBrk="1" latinLnBrk="0" hangingPunct="1">
+              <a:defRPr sz="2400" kern="1200">
+                <a:solidFill>
+                  <a:schemeClr val="tx1"/>
+                </a:solidFill>
+                <a:latin typeface="+mn-lt"/>
+                <a:ea typeface="+mn-ea"/>
+                <a:cs typeface="+mn-cs"/>
+              </a:defRPr>
+            </a:lvl6pPr>
+            <a:lvl7pPr marL="3656960" algn="l" defTabSz="1218987" rtl="0" eaLnBrk="1" latinLnBrk="0" hangingPunct="1">
+              <a:defRPr sz="2400" kern="1200">
+                <a:solidFill>
+                  <a:schemeClr val="tx1"/>
+                </a:solidFill>
+                <a:latin typeface="+mn-lt"/>
+                <a:ea typeface="+mn-ea"/>
+                <a:cs typeface="+mn-cs"/>
+              </a:defRPr>
+            </a:lvl7pPr>
+            <a:lvl8pPr marL="4266453" algn="l" defTabSz="1218987" rtl="0" eaLnBrk="1" latinLnBrk="0" hangingPunct="1">
+              <a:defRPr sz="2400" kern="1200">
+                <a:solidFill>
+                  <a:schemeClr val="tx1"/>
+                </a:solidFill>
+                <a:latin typeface="+mn-lt"/>
+                <a:ea typeface="+mn-ea"/>
+                <a:cs typeface="+mn-cs"/>
+              </a:defRPr>
+            </a:lvl8pPr>
+            <a:lvl9pPr marL="4875947" algn="l" defTabSz="1218987" rtl="0" eaLnBrk="1" latinLnBrk="0" hangingPunct="1">
+              <a:defRPr sz="2400" kern="1200">
+                <a:solidFill>
+                  <a:schemeClr val="tx1"/>
+                </a:solidFill>
+                <a:latin typeface="+mn-lt"/>
+                <a:ea typeface="+mn-ea"/>
+                <a:cs typeface="+mn-cs"/>
+              </a:defRPr>
+            </a:lvl9pPr>
+          </a:lstStyle>
           <a:p>
             <a:r>
-              <a:rPr lang="en-US" dirty="0">
+              <a:rPr lang="en-US" sz="1800" b="1" dirty="0">
                 <a:hlinkClick r:id="rId3"/>
               </a:rPr>
-              <a:t>https://it-kariera.mon.bg/</a:t>
-            </a:r>
-            <a:r>
-              <a:rPr lang="en-US">
-                <a:hlinkClick r:id="rId3"/>
-              </a:rPr>
-              <a:t>e-learning/</a:t>
-            </a:r>
-            <a:endParaRPr lang="en-US" dirty="0"/>
+              <a:t>https://github.com/BG-IT-Edu/School-Programming/tree/main/Courses/Applied-Programmer/Programming-Fundamentals</a:t>
+            </a:r>
+            <a:endParaRPr lang="en-GB" sz="1800" b="1" dirty="0"/>
           </a:p>
         </p:txBody>
       </p:sp>

--- a/Courses/Applied-Programmer/Programming-Fundamentals/05-Символни-низове/22.Символни-низове-вход-изход.pptx
+++ b/Courses/Applied-Programmer/Programming-Fundamentals/05-Символни-низове/22.Символни-низове-вход-изход.pptx
@@ -338,7 +338,7 @@
             <a:fld id="{FE5B4EDC-59C0-49C7-8ADA-5A781B329E02}" type="datetimeFigureOut">
               <a:rPr lang="en-US"/>
               <a:pPr/>
-              <a:t>19-Nov-20</a:t>
+              <a:t>21-Nov-20</a:t>
             </a:fld>
             <a:endParaRPr dirty="0"/>
           </a:p>
@@ -636,7 +636,7 @@
             <a:fld id="{F2D8D46A-B586-417D-BFBD-8C8FE0AAF762}" type="datetimeFigureOut">
               <a:rPr lang="en-US" smtClean="0"/>
               <a:pPr/>
-              <a:t>19-Nov-20</a:t>
+              <a:t>21-Nov-20</a:t>
             </a:fld>
             <a:endParaRPr lang="en-US" dirty="0"/>
           </a:p>
@@ -5493,6 +5493,134 @@
   <p:clrMapOvr>
     <a:masterClrMapping/>
   </p:clrMapOvr>
+  <p:timing>
+    <p:tnLst>
+      <p:par>
+        <p:cTn id="1" dur="indefinite" restart="never" nodeType="tmRoot">
+          <p:childTnLst>
+            <p:seq concurrent="1" nextAc="seek">
+              <p:cTn id="2" dur="indefinite" nodeType="mainSeq">
+                <p:childTnLst>
+                  <p:par>
+                    <p:cTn id="3" fill="hold">
+                      <p:stCondLst>
+                        <p:cond delay="indefinite"/>
+                      </p:stCondLst>
+                      <p:childTnLst>
+                        <p:par>
+                          <p:cTn id="4" fill="hold">
+                            <p:stCondLst>
+                              <p:cond delay="0"/>
+                            </p:stCondLst>
+                            <p:childTnLst>
+                              <p:par>
+                                <p:cTn id="5" presetID="1" presetClass="entr" presetSubtype="0" fill="hold" nodeType="clickEffect">
+                                  <p:stCondLst>
+                                    <p:cond delay="0"/>
+                                  </p:stCondLst>
+                                  <p:childTnLst>
+                                    <p:set>
+                                      <p:cBhvr>
+                                        <p:cTn id="6" dur="1" fill="hold">
+                                          <p:stCondLst>
+                                            <p:cond delay="0"/>
+                                          </p:stCondLst>
+                                        </p:cTn>
+                                        <p:tgtEl>
+                                          <p:spTgt spid="7">
+                                            <p:txEl>
+                                              <p:pRg st="1" end="1"/>
+                                            </p:txEl>
+                                          </p:spTgt>
+                                        </p:tgtEl>
+                                        <p:attrNameLst>
+                                          <p:attrName>style.visibility</p:attrName>
+                                        </p:attrNameLst>
+                                      </p:cBhvr>
+                                      <p:to>
+                                        <p:strVal val="visible"/>
+                                      </p:to>
+                                    </p:set>
+                                  </p:childTnLst>
+                                </p:cTn>
+                              </p:par>
+                            </p:childTnLst>
+                          </p:cTn>
+                        </p:par>
+                      </p:childTnLst>
+                    </p:cTn>
+                  </p:par>
+                  <p:par>
+                    <p:cTn id="7" fill="hold">
+                      <p:stCondLst>
+                        <p:cond delay="indefinite"/>
+                      </p:stCondLst>
+                      <p:childTnLst>
+                        <p:par>
+                          <p:cTn id="8" fill="hold">
+                            <p:stCondLst>
+                              <p:cond delay="0"/>
+                            </p:stCondLst>
+                            <p:childTnLst>
+                              <p:par>
+                                <p:cTn id="9" presetID="1" presetClass="entr" presetSubtype="0" fill="hold" nodeType="clickEffect">
+                                  <p:stCondLst>
+                                    <p:cond delay="0"/>
+                                  </p:stCondLst>
+                                  <p:childTnLst>
+                                    <p:set>
+                                      <p:cBhvr>
+                                        <p:cTn id="10" dur="1" fill="hold">
+                                          <p:stCondLst>
+                                            <p:cond delay="0"/>
+                                          </p:stCondLst>
+                                        </p:cTn>
+                                        <p:tgtEl>
+                                          <p:spTgt spid="7">
+                                            <p:txEl>
+                                              <p:pRg st="2" end="2"/>
+                                            </p:txEl>
+                                          </p:spTgt>
+                                        </p:tgtEl>
+                                        <p:attrNameLst>
+                                          <p:attrName>style.visibility</p:attrName>
+                                        </p:attrNameLst>
+                                      </p:cBhvr>
+                                      <p:to>
+                                        <p:strVal val="visible"/>
+                                      </p:to>
+                                    </p:set>
+                                  </p:childTnLst>
+                                </p:cTn>
+                              </p:par>
+                            </p:childTnLst>
+                          </p:cTn>
+                        </p:par>
+                      </p:childTnLst>
+                    </p:cTn>
+                  </p:par>
+                </p:childTnLst>
+              </p:cTn>
+              <p:prevCondLst>
+                <p:cond evt="onPrev" delay="0">
+                  <p:tgtEl>
+                    <p:sldTgt/>
+                  </p:tgtEl>
+                </p:cond>
+              </p:prevCondLst>
+              <p:nextCondLst>
+                <p:cond evt="onNext" delay="0">
+                  <p:tgtEl>
+                    <p:sldTgt/>
+                  </p:tgtEl>
+                </p:cond>
+              </p:nextCondLst>
+            </p:seq>
+          </p:childTnLst>
+        </p:cTn>
+      </p:par>
+    </p:tnLst>
+  </p:timing>
 </p:sld>
 </file>
 
@@ -7574,43 +7702,6 @@
           <a:p>
             <a:pPr algn="ctr"/>
             <a:endParaRPr lang="en-US" sz="2800" dirty="0"/>
-          </a:p>
-        </p:txBody>
-      </p:sp>
-      <p:sp>
-        <p:nvSpPr>
-          <p:cNvPr id="16" name="TextBox 15"/>
-          <p:cNvSpPr txBox="1"/>
-          <p:nvPr/>
-        </p:nvSpPr>
-        <p:spPr>
-          <a:xfrm>
-            <a:off x="760412" y="6190147"/>
-            <a:ext cx="10591800" cy="461665"/>
-          </a:xfrm>
-          <a:prstGeom prst="rect">
-            <a:avLst/>
-          </a:prstGeom>
-          <a:noFill/>
-        </p:spPr>
-        <p:txBody>
-          <a:bodyPr wrap="square" rtlCol="0">
-            <a:spAutoFit/>
-          </a:bodyPr>
-          <a:lstStyle/>
-          <a:p>
-            <a:pPr algn="ctr"/>
-            <a:r>
-              <a:rPr lang="en-US" dirty="0"/>
-              <a:t>Check your solution here: </a:t>
-            </a:r>
-            <a:r>
-              <a:rPr lang="en-US" dirty="0">
-                <a:hlinkClick r:id="rId2"/>
-              </a:rPr>
-              <a:t>https://judge.softuni.bg/Contests/Practice/Index/320#1</a:t>
-            </a:r>
-            <a:endParaRPr lang="en-US" dirty="0"/>
           </a:p>
         </p:txBody>
       </p:sp>
@@ -8188,6 +8279,630 @@
   <p:clrMapOvr>
     <a:masterClrMapping/>
   </p:clrMapOvr>
+  <p:timing>
+    <p:tnLst>
+      <p:par>
+        <p:cTn id="1" dur="indefinite" restart="never" nodeType="tmRoot">
+          <p:childTnLst>
+            <p:seq concurrent="1" nextAc="seek">
+              <p:cTn id="2" dur="indefinite" nodeType="mainSeq">
+                <p:childTnLst>
+                  <p:par>
+                    <p:cTn id="3" fill="hold">
+                      <p:stCondLst>
+                        <p:cond delay="indefinite"/>
+                      </p:stCondLst>
+                      <p:childTnLst>
+                        <p:par>
+                          <p:cTn id="4" fill="hold">
+                            <p:stCondLst>
+                              <p:cond delay="0"/>
+                            </p:stCondLst>
+                            <p:childTnLst>
+                              <p:par>
+                                <p:cTn id="5" presetID="1" presetClass="entr" presetSubtype="0" fill="hold" nodeType="clickEffect">
+                                  <p:stCondLst>
+                                    <p:cond delay="0"/>
+                                  </p:stCondLst>
+                                  <p:childTnLst>
+                                    <p:set>
+                                      <p:cBhvr>
+                                        <p:cTn id="6" dur="1" fill="hold">
+                                          <p:stCondLst>
+                                            <p:cond delay="0"/>
+                                          </p:stCondLst>
+                                        </p:cTn>
+                                        <p:tgtEl>
+                                          <p:spTgt spid="6">
+                                            <p:txEl>
+                                              <p:pRg st="1" end="1"/>
+                                            </p:txEl>
+                                          </p:spTgt>
+                                        </p:tgtEl>
+                                        <p:attrNameLst>
+                                          <p:attrName>style.visibility</p:attrName>
+                                        </p:attrNameLst>
+                                      </p:cBhvr>
+                                      <p:to>
+                                        <p:strVal val="visible"/>
+                                      </p:to>
+                                    </p:set>
+                                  </p:childTnLst>
+                                </p:cTn>
+                              </p:par>
+                            </p:childTnLst>
+                          </p:cTn>
+                        </p:par>
+                      </p:childTnLst>
+                    </p:cTn>
+                  </p:par>
+                  <p:par>
+                    <p:cTn id="7" fill="hold">
+                      <p:stCondLst>
+                        <p:cond delay="indefinite"/>
+                      </p:stCondLst>
+                      <p:childTnLst>
+                        <p:par>
+                          <p:cTn id="8" fill="hold">
+                            <p:stCondLst>
+                              <p:cond delay="0"/>
+                            </p:stCondLst>
+                            <p:childTnLst>
+                              <p:par>
+                                <p:cTn id="9" presetID="1" presetClass="entr" presetSubtype="0" fill="hold" nodeType="clickEffect">
+                                  <p:stCondLst>
+                                    <p:cond delay="0"/>
+                                  </p:stCondLst>
+                                  <p:childTnLst>
+                                    <p:set>
+                                      <p:cBhvr>
+                                        <p:cTn id="10" dur="1" fill="hold">
+                                          <p:stCondLst>
+                                            <p:cond delay="0"/>
+                                          </p:stCondLst>
+                                        </p:cTn>
+                                        <p:tgtEl>
+                                          <p:spTgt spid="6">
+                                            <p:txEl>
+                                              <p:pRg st="2" end="2"/>
+                                            </p:txEl>
+                                          </p:spTgt>
+                                        </p:tgtEl>
+                                        <p:attrNameLst>
+                                          <p:attrName>style.visibility</p:attrName>
+                                        </p:attrNameLst>
+                                      </p:cBhvr>
+                                      <p:to>
+                                        <p:strVal val="visible"/>
+                                      </p:to>
+                                    </p:set>
+                                  </p:childTnLst>
+                                </p:cTn>
+                              </p:par>
+                            </p:childTnLst>
+                          </p:cTn>
+                        </p:par>
+                      </p:childTnLst>
+                    </p:cTn>
+                  </p:par>
+                  <p:par>
+                    <p:cTn id="11" fill="hold">
+                      <p:stCondLst>
+                        <p:cond delay="indefinite"/>
+                      </p:stCondLst>
+                      <p:childTnLst>
+                        <p:par>
+                          <p:cTn id="12" fill="hold">
+                            <p:stCondLst>
+                              <p:cond delay="0"/>
+                            </p:stCondLst>
+                            <p:childTnLst>
+                              <p:par>
+                                <p:cTn id="13" presetID="1" presetClass="entr" presetSubtype="0" fill="hold" grpId="0" nodeType="clickEffect">
+                                  <p:stCondLst>
+                                    <p:cond delay="0"/>
+                                  </p:stCondLst>
+                                  <p:childTnLst>
+                                    <p:set>
+                                      <p:cBhvr>
+                                        <p:cTn id="14" dur="1" fill="hold">
+                                          <p:stCondLst>
+                                            <p:cond delay="0"/>
+                                          </p:stCondLst>
+                                        </p:cTn>
+                                        <p:tgtEl>
+                                          <p:spTgt spid="10"/>
+                                        </p:tgtEl>
+                                        <p:attrNameLst>
+                                          <p:attrName>style.visibility</p:attrName>
+                                        </p:attrNameLst>
+                                      </p:cBhvr>
+                                      <p:to>
+                                        <p:strVal val="visible"/>
+                                      </p:to>
+                                    </p:set>
+                                  </p:childTnLst>
+                                </p:cTn>
+                              </p:par>
+                              <p:par>
+                                <p:cTn id="15" presetID="1" presetClass="entr" presetSubtype="0" fill="hold" grpId="0" nodeType="withEffect">
+                                  <p:stCondLst>
+                                    <p:cond delay="0"/>
+                                  </p:stCondLst>
+                                  <p:childTnLst>
+                                    <p:set>
+                                      <p:cBhvr>
+                                        <p:cTn id="16" dur="1" fill="hold">
+                                          <p:stCondLst>
+                                            <p:cond delay="0"/>
+                                          </p:stCondLst>
+                                        </p:cTn>
+                                        <p:tgtEl>
+                                          <p:spTgt spid="11"/>
+                                        </p:tgtEl>
+                                        <p:attrNameLst>
+                                          <p:attrName>style.visibility</p:attrName>
+                                        </p:attrNameLst>
+                                      </p:cBhvr>
+                                      <p:to>
+                                        <p:strVal val="visible"/>
+                                      </p:to>
+                                    </p:set>
+                                  </p:childTnLst>
+                                </p:cTn>
+                              </p:par>
+                              <p:par>
+                                <p:cTn id="17" presetID="1" presetClass="entr" presetSubtype="0" fill="hold" grpId="0" nodeType="withEffect">
+                                  <p:stCondLst>
+                                    <p:cond delay="0"/>
+                                  </p:stCondLst>
+                                  <p:childTnLst>
+                                    <p:set>
+                                      <p:cBhvr>
+                                        <p:cTn id="18" dur="1" fill="hold">
+                                          <p:stCondLst>
+                                            <p:cond delay="0"/>
+                                          </p:stCondLst>
+                                        </p:cTn>
+                                        <p:tgtEl>
+                                          <p:spTgt spid="12"/>
+                                        </p:tgtEl>
+                                        <p:attrNameLst>
+                                          <p:attrName>style.visibility</p:attrName>
+                                        </p:attrNameLst>
+                                      </p:cBhvr>
+                                      <p:to>
+                                        <p:strVal val="visible"/>
+                                      </p:to>
+                                    </p:set>
+                                  </p:childTnLst>
+                                </p:cTn>
+                              </p:par>
+                              <p:par>
+                                <p:cTn id="19" presetID="1" presetClass="entr" presetSubtype="0" fill="hold" grpId="0" nodeType="withEffect">
+                                  <p:stCondLst>
+                                    <p:cond delay="0"/>
+                                  </p:stCondLst>
+                                  <p:childTnLst>
+                                    <p:set>
+                                      <p:cBhvr>
+                                        <p:cTn id="20" dur="1" fill="hold">
+                                          <p:stCondLst>
+                                            <p:cond delay="0"/>
+                                          </p:stCondLst>
+                                        </p:cTn>
+                                        <p:tgtEl>
+                                          <p:spTgt spid="7"/>
+                                        </p:tgtEl>
+                                        <p:attrNameLst>
+                                          <p:attrName>style.visibility</p:attrName>
+                                        </p:attrNameLst>
+                                      </p:cBhvr>
+                                      <p:to>
+                                        <p:strVal val="visible"/>
+                                      </p:to>
+                                    </p:set>
+                                  </p:childTnLst>
+                                </p:cTn>
+                              </p:par>
+                              <p:par>
+                                <p:cTn id="21" presetID="1" presetClass="entr" presetSubtype="0" fill="hold" grpId="0" nodeType="withEffect">
+                                  <p:stCondLst>
+                                    <p:cond delay="0"/>
+                                  </p:stCondLst>
+                                  <p:childTnLst>
+                                    <p:set>
+                                      <p:cBhvr>
+                                        <p:cTn id="22" dur="1" fill="hold">
+                                          <p:stCondLst>
+                                            <p:cond delay="0"/>
+                                          </p:stCondLst>
+                                        </p:cTn>
+                                        <p:tgtEl>
+                                          <p:spTgt spid="8"/>
+                                        </p:tgtEl>
+                                        <p:attrNameLst>
+                                          <p:attrName>style.visibility</p:attrName>
+                                        </p:attrNameLst>
+                                      </p:cBhvr>
+                                      <p:to>
+                                        <p:strVal val="visible"/>
+                                      </p:to>
+                                    </p:set>
+                                  </p:childTnLst>
+                                </p:cTn>
+                              </p:par>
+                              <p:par>
+                                <p:cTn id="23" presetID="1" presetClass="entr" presetSubtype="0" fill="hold" grpId="0" nodeType="withEffect">
+                                  <p:stCondLst>
+                                    <p:cond delay="0"/>
+                                  </p:stCondLst>
+                                  <p:childTnLst>
+                                    <p:set>
+                                      <p:cBhvr>
+                                        <p:cTn id="24" dur="1" fill="hold">
+                                          <p:stCondLst>
+                                            <p:cond delay="0"/>
+                                          </p:stCondLst>
+                                        </p:cTn>
+                                        <p:tgtEl>
+                                          <p:spTgt spid="9"/>
+                                        </p:tgtEl>
+                                        <p:attrNameLst>
+                                          <p:attrName>style.visibility</p:attrName>
+                                        </p:attrNameLst>
+                                      </p:cBhvr>
+                                      <p:to>
+                                        <p:strVal val="visible"/>
+                                      </p:to>
+                                    </p:set>
+                                  </p:childTnLst>
+                                </p:cTn>
+                              </p:par>
+                              <p:par>
+                                <p:cTn id="25" presetID="1" presetClass="entr" presetSubtype="0" fill="hold" grpId="0" nodeType="withEffect">
+                                  <p:stCondLst>
+                                    <p:cond delay="0"/>
+                                  </p:stCondLst>
+                                  <p:childTnLst>
+                                    <p:set>
+                                      <p:cBhvr>
+                                        <p:cTn id="26" dur="1" fill="hold">
+                                          <p:stCondLst>
+                                            <p:cond delay="0"/>
+                                          </p:stCondLst>
+                                        </p:cTn>
+                                        <p:tgtEl>
+                                          <p:spTgt spid="13"/>
+                                        </p:tgtEl>
+                                        <p:attrNameLst>
+                                          <p:attrName>style.visibility</p:attrName>
+                                        </p:attrNameLst>
+                                      </p:cBhvr>
+                                      <p:to>
+                                        <p:strVal val="visible"/>
+                                      </p:to>
+                                    </p:set>
+                                  </p:childTnLst>
+                                </p:cTn>
+                              </p:par>
+                              <p:par>
+                                <p:cTn id="27" presetID="1" presetClass="entr" presetSubtype="0" fill="hold" grpId="0" nodeType="withEffect">
+                                  <p:stCondLst>
+                                    <p:cond delay="0"/>
+                                  </p:stCondLst>
+                                  <p:childTnLst>
+                                    <p:set>
+                                      <p:cBhvr>
+                                        <p:cTn id="28" dur="1" fill="hold">
+                                          <p:stCondLst>
+                                            <p:cond delay="0"/>
+                                          </p:stCondLst>
+                                        </p:cTn>
+                                        <p:tgtEl>
+                                          <p:spTgt spid="14"/>
+                                        </p:tgtEl>
+                                        <p:attrNameLst>
+                                          <p:attrName>style.visibility</p:attrName>
+                                        </p:attrNameLst>
+                                      </p:cBhvr>
+                                      <p:to>
+                                        <p:strVal val="visible"/>
+                                      </p:to>
+                                    </p:set>
+                                  </p:childTnLst>
+                                </p:cTn>
+                              </p:par>
+                              <p:par>
+                                <p:cTn id="29" presetID="1" presetClass="entr" presetSubtype="0" fill="hold" grpId="0" nodeType="withEffect">
+                                  <p:stCondLst>
+                                    <p:cond delay="0"/>
+                                  </p:stCondLst>
+                                  <p:childTnLst>
+                                    <p:set>
+                                      <p:cBhvr>
+                                        <p:cTn id="30" dur="1" fill="hold">
+                                          <p:stCondLst>
+                                            <p:cond delay="0"/>
+                                          </p:stCondLst>
+                                        </p:cTn>
+                                        <p:tgtEl>
+                                          <p:spTgt spid="15"/>
+                                        </p:tgtEl>
+                                        <p:attrNameLst>
+                                          <p:attrName>style.visibility</p:attrName>
+                                        </p:attrNameLst>
+                                      </p:cBhvr>
+                                      <p:to>
+                                        <p:strVal val="visible"/>
+                                      </p:to>
+                                    </p:set>
+                                  </p:childTnLst>
+                                </p:cTn>
+                              </p:par>
+                              <p:par>
+                                <p:cTn id="31" presetID="1" presetClass="entr" presetSubtype="0" fill="hold" grpId="0" nodeType="withEffect">
+                                  <p:stCondLst>
+                                    <p:cond delay="0"/>
+                                  </p:stCondLst>
+                                  <p:childTnLst>
+                                    <p:set>
+                                      <p:cBhvr>
+                                        <p:cTn id="32" dur="1" fill="hold">
+                                          <p:stCondLst>
+                                            <p:cond delay="0"/>
+                                          </p:stCondLst>
+                                        </p:cTn>
+                                        <p:tgtEl>
+                                          <p:spTgt spid="17"/>
+                                        </p:tgtEl>
+                                        <p:attrNameLst>
+                                          <p:attrName>style.visibility</p:attrName>
+                                        </p:attrNameLst>
+                                      </p:cBhvr>
+                                      <p:to>
+                                        <p:strVal val="visible"/>
+                                      </p:to>
+                                    </p:set>
+                                  </p:childTnLst>
+                                </p:cTn>
+                              </p:par>
+                              <p:par>
+                                <p:cTn id="33" presetID="1" presetClass="entr" presetSubtype="0" fill="hold" grpId="0" nodeType="withEffect">
+                                  <p:stCondLst>
+                                    <p:cond delay="0"/>
+                                  </p:stCondLst>
+                                  <p:childTnLst>
+                                    <p:set>
+                                      <p:cBhvr>
+                                        <p:cTn id="34" dur="1" fill="hold">
+                                          <p:stCondLst>
+                                            <p:cond delay="0"/>
+                                          </p:stCondLst>
+                                        </p:cTn>
+                                        <p:tgtEl>
+                                          <p:spTgt spid="18"/>
+                                        </p:tgtEl>
+                                        <p:attrNameLst>
+                                          <p:attrName>style.visibility</p:attrName>
+                                        </p:attrNameLst>
+                                      </p:cBhvr>
+                                      <p:to>
+                                        <p:strVal val="visible"/>
+                                      </p:to>
+                                    </p:set>
+                                  </p:childTnLst>
+                                </p:cTn>
+                              </p:par>
+                              <p:par>
+                                <p:cTn id="35" presetID="1" presetClass="entr" presetSubtype="0" fill="hold" grpId="0" nodeType="withEffect">
+                                  <p:stCondLst>
+                                    <p:cond delay="0"/>
+                                  </p:stCondLst>
+                                  <p:childTnLst>
+                                    <p:set>
+                                      <p:cBhvr>
+                                        <p:cTn id="36" dur="1" fill="hold">
+                                          <p:stCondLst>
+                                            <p:cond delay="0"/>
+                                          </p:stCondLst>
+                                        </p:cTn>
+                                        <p:tgtEl>
+                                          <p:spTgt spid="19"/>
+                                        </p:tgtEl>
+                                        <p:attrNameLst>
+                                          <p:attrName>style.visibility</p:attrName>
+                                        </p:attrNameLst>
+                                      </p:cBhvr>
+                                      <p:to>
+                                        <p:strVal val="visible"/>
+                                      </p:to>
+                                    </p:set>
+                                  </p:childTnLst>
+                                </p:cTn>
+                              </p:par>
+                              <p:par>
+                                <p:cTn id="37" presetID="1" presetClass="entr" presetSubtype="0" fill="hold" grpId="0" nodeType="withEffect">
+                                  <p:stCondLst>
+                                    <p:cond delay="0"/>
+                                  </p:stCondLst>
+                                  <p:childTnLst>
+                                    <p:set>
+                                      <p:cBhvr>
+                                        <p:cTn id="38" dur="1" fill="hold">
+                                          <p:stCondLst>
+                                            <p:cond delay="0"/>
+                                          </p:stCondLst>
+                                        </p:cTn>
+                                        <p:tgtEl>
+                                          <p:spTgt spid="20"/>
+                                        </p:tgtEl>
+                                        <p:attrNameLst>
+                                          <p:attrName>style.visibility</p:attrName>
+                                        </p:attrNameLst>
+                                      </p:cBhvr>
+                                      <p:to>
+                                        <p:strVal val="visible"/>
+                                      </p:to>
+                                    </p:set>
+                                  </p:childTnLst>
+                                </p:cTn>
+                              </p:par>
+                              <p:par>
+                                <p:cTn id="39" presetID="1" presetClass="entr" presetSubtype="0" fill="hold" grpId="0" nodeType="withEffect">
+                                  <p:stCondLst>
+                                    <p:cond delay="0"/>
+                                  </p:stCondLst>
+                                  <p:childTnLst>
+                                    <p:set>
+                                      <p:cBhvr>
+                                        <p:cTn id="40" dur="1" fill="hold">
+                                          <p:stCondLst>
+                                            <p:cond delay="0"/>
+                                          </p:stCondLst>
+                                        </p:cTn>
+                                        <p:tgtEl>
+                                          <p:spTgt spid="21"/>
+                                        </p:tgtEl>
+                                        <p:attrNameLst>
+                                          <p:attrName>style.visibility</p:attrName>
+                                        </p:attrNameLst>
+                                      </p:cBhvr>
+                                      <p:to>
+                                        <p:strVal val="visible"/>
+                                      </p:to>
+                                    </p:set>
+                                  </p:childTnLst>
+                                </p:cTn>
+                              </p:par>
+                              <p:par>
+                                <p:cTn id="41" presetID="1" presetClass="entr" presetSubtype="0" fill="hold" grpId="0" nodeType="withEffect">
+                                  <p:stCondLst>
+                                    <p:cond delay="0"/>
+                                  </p:stCondLst>
+                                  <p:childTnLst>
+                                    <p:set>
+                                      <p:cBhvr>
+                                        <p:cTn id="42" dur="1" fill="hold">
+                                          <p:stCondLst>
+                                            <p:cond delay="0"/>
+                                          </p:stCondLst>
+                                        </p:cTn>
+                                        <p:tgtEl>
+                                          <p:spTgt spid="22"/>
+                                        </p:tgtEl>
+                                        <p:attrNameLst>
+                                          <p:attrName>style.visibility</p:attrName>
+                                        </p:attrNameLst>
+                                      </p:cBhvr>
+                                      <p:to>
+                                        <p:strVal val="visible"/>
+                                      </p:to>
+                                    </p:set>
+                                  </p:childTnLst>
+                                </p:cTn>
+                              </p:par>
+                              <p:par>
+                                <p:cTn id="43" presetID="1" presetClass="entr" presetSubtype="0" fill="hold" grpId="0" nodeType="withEffect">
+                                  <p:stCondLst>
+                                    <p:cond delay="0"/>
+                                  </p:stCondLst>
+                                  <p:childTnLst>
+                                    <p:set>
+                                      <p:cBhvr>
+                                        <p:cTn id="44" dur="1" fill="hold">
+                                          <p:stCondLst>
+                                            <p:cond delay="0"/>
+                                          </p:stCondLst>
+                                        </p:cTn>
+                                        <p:tgtEl>
+                                          <p:spTgt spid="23"/>
+                                        </p:tgtEl>
+                                        <p:attrNameLst>
+                                          <p:attrName>style.visibility</p:attrName>
+                                        </p:attrNameLst>
+                                      </p:cBhvr>
+                                      <p:to>
+                                        <p:strVal val="visible"/>
+                                      </p:to>
+                                    </p:set>
+                                  </p:childTnLst>
+                                </p:cTn>
+                              </p:par>
+                              <p:par>
+                                <p:cTn id="45" presetID="1" presetClass="entr" presetSubtype="0" fill="hold" grpId="0" nodeType="withEffect">
+                                  <p:stCondLst>
+                                    <p:cond delay="0"/>
+                                  </p:stCondLst>
+                                  <p:childTnLst>
+                                    <p:set>
+                                      <p:cBhvr>
+                                        <p:cTn id="46" dur="1" fill="hold">
+                                          <p:stCondLst>
+                                            <p:cond delay="0"/>
+                                          </p:stCondLst>
+                                        </p:cTn>
+                                        <p:tgtEl>
+                                          <p:spTgt spid="24"/>
+                                        </p:tgtEl>
+                                        <p:attrNameLst>
+                                          <p:attrName>style.visibility</p:attrName>
+                                        </p:attrNameLst>
+                                      </p:cBhvr>
+                                      <p:to>
+                                        <p:strVal val="visible"/>
+                                      </p:to>
+                                    </p:set>
+                                  </p:childTnLst>
+                                </p:cTn>
+                              </p:par>
+                            </p:childTnLst>
+                          </p:cTn>
+                        </p:par>
+                      </p:childTnLst>
+                    </p:cTn>
+                  </p:par>
+                </p:childTnLst>
+              </p:cTn>
+              <p:prevCondLst>
+                <p:cond evt="onPrev" delay="0">
+                  <p:tgtEl>
+                    <p:sldTgt/>
+                  </p:tgtEl>
+                </p:cond>
+              </p:prevCondLst>
+              <p:nextCondLst>
+                <p:cond evt="onNext" delay="0">
+                  <p:tgtEl>
+                    <p:sldTgt/>
+                  </p:tgtEl>
+                </p:cond>
+              </p:nextCondLst>
+            </p:seq>
+          </p:childTnLst>
+        </p:cTn>
+      </p:par>
+    </p:tnLst>
+    <p:bldLst>
+      <p:bldP spid="10" grpId="0" animBg="1"/>
+      <p:bldP spid="11" grpId="0" animBg="1"/>
+      <p:bldP spid="12" grpId="0" animBg="1"/>
+      <p:bldP spid="7" grpId="0" animBg="1"/>
+      <p:bldP spid="8" grpId="0" animBg="1"/>
+      <p:bldP spid="9" grpId="0" animBg="1"/>
+      <p:bldP spid="13" grpId="0" animBg="1"/>
+      <p:bldP spid="14" grpId="0" animBg="1"/>
+      <p:bldP spid="15" grpId="0" animBg="1"/>
+      <p:bldP spid="17" grpId="0" animBg="1"/>
+      <p:bldP spid="18" grpId="0" animBg="1"/>
+      <p:bldP spid="19" grpId="0" animBg="1"/>
+      <p:bldP spid="20" grpId="0" animBg="1"/>
+      <p:bldP spid="21" grpId="0" animBg="1"/>
+      <p:bldP spid="22" grpId="0" animBg="1"/>
+      <p:bldP spid="23" grpId="0" animBg="1"/>
+      <p:bldP spid="24" grpId="0" animBg="1"/>
+    </p:bldLst>
+  </p:timing>
 </p:sld>
 </file>
 
@@ -15033,7 +15748,7 @@
                 <a:latin typeface="Consolas" pitchFamily="49" charset="0"/>
                 <a:cs typeface="Consolas" pitchFamily="49" charset="0"/>
               </a:rPr>
-              <a:t>string listOfBeers = "Amstel,</a:t>
+              <a:t>string listOfFruits = "Apple,</a:t>
             </a:r>
             <a:r>
               <a:rPr lang="en-US" sz="2800" b="1" noProof="1">
@@ -15067,7 +15782,7 @@
                 <a:latin typeface="Consolas" pitchFamily="49" charset="0"/>
                 <a:cs typeface="Consolas" pitchFamily="49" charset="0"/>
               </a:rPr>
-              <a:t>Zagorka,</a:t>
+              <a:t>Banana,</a:t>
             </a:r>
             <a:r>
               <a:rPr lang="en-US" sz="2800" b="1" noProof="1">
@@ -15101,7 +15816,7 @@
                 <a:latin typeface="Consolas" pitchFamily="49" charset="0"/>
                 <a:cs typeface="Consolas" pitchFamily="49" charset="0"/>
               </a:rPr>
-              <a:t>Tuborg,</a:t>
+              <a:t>Cherry,</a:t>
             </a:r>
             <a:r>
               <a:rPr lang="en-US" sz="2800" b="1" noProof="1">
@@ -15135,7 +15850,7 @@
                 <a:latin typeface="Consolas" pitchFamily="49" charset="0"/>
                 <a:cs typeface="Consolas" pitchFamily="49" charset="0"/>
               </a:rPr>
-              <a:t>Becks.";</a:t>
+              <a:t>Lemon.";</a:t>
             </a:r>
           </a:p>
           <a:p>
@@ -15188,7 +15903,7 @@
                 <a:latin typeface="Consolas" pitchFamily="49" charset="0"/>
                 <a:cs typeface="Consolas" pitchFamily="49" charset="0"/>
               </a:rPr>
-              <a:t>beers = listOfBeers.</a:t>
+              <a:t>fruits = listOfFruits.</a:t>
             </a:r>
             <a:r>
               <a:rPr lang="en-US" sz="2800" b="1" noProof="1">
@@ -15330,7 +16045,7 @@
                 <a:latin typeface="Consolas" pitchFamily="49" charset="0"/>
                 <a:cs typeface="Consolas" pitchFamily="49" charset="0"/>
               </a:rPr>
-              <a:t>Console.WriteLine("Available beers are:");</a:t>
+              <a:t>Console.WriteLine("Available fruits are:");</a:t>
             </a:r>
           </a:p>
           <a:p>
@@ -15361,7 +16076,7 @@
                 <a:latin typeface="Consolas" pitchFamily="49" charset="0"/>
                 <a:cs typeface="Consolas" pitchFamily="49" charset="0"/>
               </a:rPr>
-              <a:t>foreach (string beer in beers)</a:t>
+              <a:t>foreach (string fruit in fruits)</a:t>
             </a:r>
           </a:p>
           <a:p>
@@ -15392,7 +16107,7 @@
                 <a:latin typeface="Consolas" pitchFamily="49" charset="0"/>
                 <a:cs typeface="Consolas" pitchFamily="49" charset="0"/>
               </a:rPr>
-              <a:t>  Console.WriteLine(beer);</a:t>
+              <a:t>  Console.WriteLine(fruit);</a:t>
             </a:r>
           </a:p>
         </p:txBody>
@@ -15891,7 +16606,7 @@
             </a:pPr>
             <a:r>
               <a:rPr lang="bg-BG" sz="3600" dirty="0"/>
-              <a:t>търсим подниз в низ с метода </a:t>
+              <a:t>Търсим подниз в низ с метода </a:t>
             </a:r>
             <a:r>
               <a:rPr lang="en-US" sz="3600" b="1" noProof="1">
@@ -15922,7 +16637,7 @@
             </a:pPr>
             <a:r>
               <a:rPr lang="bg-BG" sz="3600" dirty="0"/>
-              <a:t>извличаме подниз от низ с метода </a:t>
+              <a:t>Извличаме подниз от низ с метода </a:t>
             </a:r>
             <a:r>
               <a:rPr lang="en-US" sz="3600" b="1" noProof="1">
@@ -15953,7 +16668,7 @@
             </a:pPr>
             <a:r>
               <a:rPr lang="bg-BG" sz="3600" dirty="0"/>
-              <a:t>разделяме низ на поднизове по  дадени разделителни символи с метода </a:t>
+              <a:t>Разделяме низ на поднизове по  дадени разделителни символи с метода </a:t>
             </a:r>
             <a:r>
               <a:rPr lang="en-US" sz="3600" b="1" noProof="1">
@@ -16226,6 +16941,183 @@
   <p:clrMapOvr>
     <a:masterClrMapping/>
   </p:clrMapOvr>
+  <p:timing>
+    <p:tnLst>
+      <p:par>
+        <p:cTn id="1" dur="indefinite" restart="never" nodeType="tmRoot">
+          <p:childTnLst>
+            <p:seq concurrent="1" nextAc="seek">
+              <p:cTn id="2" dur="indefinite" nodeType="mainSeq">
+                <p:childTnLst>
+                  <p:par>
+                    <p:cTn id="3" fill="hold">
+                      <p:stCondLst>
+                        <p:cond delay="indefinite"/>
+                      </p:stCondLst>
+                      <p:childTnLst>
+                        <p:par>
+                          <p:cTn id="4" fill="hold">
+                            <p:stCondLst>
+                              <p:cond delay="0"/>
+                            </p:stCondLst>
+                            <p:childTnLst>
+                              <p:par>
+                                <p:cTn id="5" presetID="1" presetClass="entr" presetSubtype="0" fill="hold" nodeType="clickEffect">
+                                  <p:stCondLst>
+                                    <p:cond delay="0"/>
+                                  </p:stCondLst>
+                                  <p:childTnLst>
+                                    <p:set>
+                                      <p:cBhvr>
+                                        <p:cTn id="6" dur="1" fill="hold">
+                                          <p:stCondLst>
+                                            <p:cond delay="0"/>
+                                          </p:stCondLst>
+                                        </p:cTn>
+                                        <p:tgtEl>
+                                          <p:spTgt spid="5">
+                                            <p:txEl>
+                                              <p:pRg st="1" end="1"/>
+                                            </p:txEl>
+                                          </p:spTgt>
+                                        </p:tgtEl>
+                                        <p:attrNameLst>
+                                          <p:attrName>style.visibility</p:attrName>
+                                        </p:attrNameLst>
+                                      </p:cBhvr>
+                                      <p:to>
+                                        <p:strVal val="visible"/>
+                                      </p:to>
+                                    </p:set>
+                                  </p:childTnLst>
+                                </p:cTn>
+                              </p:par>
+                            </p:childTnLst>
+                          </p:cTn>
+                        </p:par>
+                      </p:childTnLst>
+                    </p:cTn>
+                  </p:par>
+                  <p:par>
+                    <p:cTn id="7" fill="hold">
+                      <p:stCondLst>
+                        <p:cond delay="indefinite"/>
+                      </p:stCondLst>
+                      <p:childTnLst>
+                        <p:par>
+                          <p:cTn id="8" fill="hold">
+                            <p:stCondLst>
+                              <p:cond delay="0"/>
+                            </p:stCondLst>
+                            <p:childTnLst>
+                              <p:par>
+                                <p:cTn id="9" presetID="1" presetClass="entr" presetSubtype="0" fill="hold" nodeType="clickEffect">
+                                  <p:stCondLst>
+                                    <p:cond delay="0"/>
+                                  </p:stCondLst>
+                                  <p:childTnLst>
+                                    <p:set>
+                                      <p:cBhvr>
+                                        <p:cTn id="10" dur="1" fill="hold">
+                                          <p:stCondLst>
+                                            <p:cond delay="0"/>
+                                          </p:stCondLst>
+                                        </p:cTn>
+                                        <p:tgtEl>
+                                          <p:spTgt spid="5">
+                                            <p:txEl>
+                                              <p:pRg st="2" end="2"/>
+                                            </p:txEl>
+                                          </p:spTgt>
+                                        </p:tgtEl>
+                                        <p:attrNameLst>
+                                          <p:attrName>style.visibility</p:attrName>
+                                        </p:attrNameLst>
+                                      </p:cBhvr>
+                                      <p:to>
+                                        <p:strVal val="visible"/>
+                                      </p:to>
+                                    </p:set>
+                                  </p:childTnLst>
+                                </p:cTn>
+                              </p:par>
+                            </p:childTnLst>
+                          </p:cTn>
+                        </p:par>
+                      </p:childTnLst>
+                    </p:cTn>
+                  </p:par>
+                  <p:par>
+                    <p:cTn id="11" fill="hold">
+                      <p:stCondLst>
+                        <p:cond delay="indefinite"/>
+                      </p:stCondLst>
+                      <p:childTnLst>
+                        <p:par>
+                          <p:cTn id="12" fill="hold">
+                            <p:stCondLst>
+                              <p:cond delay="0"/>
+                            </p:stCondLst>
+                            <p:childTnLst>
+                              <p:par>
+                                <p:cTn id="13" presetID="1" presetClass="entr" presetSubtype="0" fill="hold" nodeType="clickEffect">
+                                  <p:stCondLst>
+                                    <p:cond delay="0"/>
+                                  </p:stCondLst>
+                                  <p:childTnLst>
+                                    <p:set>
+                                      <p:cBhvr>
+                                        <p:cTn id="14" dur="1" fill="hold">
+                                          <p:stCondLst>
+                                            <p:cond delay="0"/>
+                                          </p:stCondLst>
+                                        </p:cTn>
+                                        <p:tgtEl>
+                                          <p:spTgt spid="5">
+                                            <p:txEl>
+                                              <p:pRg st="3" end="3"/>
+                                            </p:txEl>
+                                          </p:spTgt>
+                                        </p:tgtEl>
+                                        <p:attrNameLst>
+                                          <p:attrName>style.visibility</p:attrName>
+                                        </p:attrNameLst>
+                                      </p:cBhvr>
+                                      <p:to>
+                                        <p:strVal val="visible"/>
+                                      </p:to>
+                                    </p:set>
+                                  </p:childTnLst>
+                                </p:cTn>
+                              </p:par>
+                            </p:childTnLst>
+                          </p:cTn>
+                        </p:par>
+                      </p:childTnLst>
+                    </p:cTn>
+                  </p:par>
+                </p:childTnLst>
+              </p:cTn>
+              <p:prevCondLst>
+                <p:cond evt="onPrev" delay="0">
+                  <p:tgtEl>
+                    <p:sldTgt/>
+                  </p:tgtEl>
+                </p:cond>
+              </p:prevCondLst>
+              <p:nextCondLst>
+                <p:cond evt="onNext" delay="0">
+                  <p:tgtEl>
+                    <p:sldTgt/>
+                  </p:tgtEl>
+                </p:cond>
+              </p:nextCondLst>
+            </p:seq>
+          </p:childTnLst>
+        </p:cTn>
+      </p:par>
+    </p:tnLst>
+  </p:timing>
 </p:sld>
 </file>
 
